--- a/Экономика Презентация/Цифровизация экономики.pptx
+++ b/Экономика Презентация/Цифровизация экономики.pptx
@@ -9,6 +9,12 @@
     <p:sldId id="257" r:id="rId3"/>
     <p:sldId id="258" r:id="rId4"/>
     <p:sldId id="259" r:id="rId5"/>
+    <p:sldId id="260" r:id="rId6"/>
+    <p:sldId id="261" r:id="rId7"/>
+    <p:sldId id="262" r:id="rId8"/>
+    <p:sldId id="263" r:id="rId9"/>
+    <p:sldId id="265" r:id="rId10"/>
+    <p:sldId id="264" r:id="rId11"/>
   </p:sldIdLst>
   <p:sldSz cx="12192000" cy="6858000"/>
   <p:notesSz cx="6858000" cy="9144000"/>
@@ -107,6 +113,11 @@
       </a:defRPr>
     </a:lvl9pPr>
   </p:defaultTextStyle>
+  <p:extLst>
+    <p:ext uri="{EFAFB233-063F-42B5-8137-9DF3F51BA10A}">
+      <p15:sldGuideLst xmlns:p15="http://schemas.microsoft.com/office/powerpoint/2012/main"/>
+    </p:ext>
+  </p:extLst>
 </p:presentation>
 </file>
 
@@ -296,7 +307,7 @@
           <a:p>
             <a:fld id="{CF3F6E35-D0F9-408A-989B-5A9B16651A43}" type="datetimeFigureOut">
               <a:rPr lang="ru-RU" smtClean="0"/>
-              <a:t>21.10.2024</a:t>
+              <a:t>22.10.2024</a:t>
             </a:fld>
             <a:endParaRPr lang="ru-RU"/>
           </a:p>
@@ -571,7 +582,7 @@
           <a:p>
             <a:fld id="{CF3F6E35-D0F9-408A-989B-5A9B16651A43}" type="datetimeFigureOut">
               <a:rPr lang="ru-RU" smtClean="0"/>
-              <a:t>21.10.2024</a:t>
+              <a:t>22.10.2024</a:t>
             </a:fld>
             <a:endParaRPr lang="ru-RU"/>
           </a:p>
@@ -765,7 +776,7 @@
           <a:p>
             <a:fld id="{CF3F6E35-D0F9-408A-989B-5A9B16651A43}" type="datetimeFigureOut">
               <a:rPr lang="ru-RU" smtClean="0"/>
-              <a:t>21.10.2024</a:t>
+              <a:t>22.10.2024</a:t>
             </a:fld>
             <a:endParaRPr lang="ru-RU"/>
           </a:p>
@@ -1038,7 +1049,7 @@
           <a:p>
             <a:fld id="{CF3F6E35-D0F9-408A-989B-5A9B16651A43}" type="datetimeFigureOut">
               <a:rPr lang="ru-RU" smtClean="0"/>
-              <a:t>21.10.2024</a:t>
+              <a:t>22.10.2024</a:t>
             </a:fld>
             <a:endParaRPr lang="ru-RU"/>
           </a:p>
@@ -1379,7 +1390,7 @@
           <a:p>
             <a:fld id="{CF3F6E35-D0F9-408A-989B-5A9B16651A43}" type="datetimeFigureOut">
               <a:rPr lang="ru-RU" smtClean="0"/>
-              <a:t>21.10.2024</a:t>
+              <a:t>22.10.2024</a:t>
             </a:fld>
             <a:endParaRPr lang="ru-RU"/>
           </a:p>
@@ -2002,7 +2013,7 @@
           <a:p>
             <a:fld id="{CF3F6E35-D0F9-408A-989B-5A9B16651A43}" type="datetimeFigureOut">
               <a:rPr lang="ru-RU" smtClean="0"/>
-              <a:t>21.10.2024</a:t>
+              <a:t>22.10.2024</a:t>
             </a:fld>
             <a:endParaRPr lang="ru-RU"/>
           </a:p>
@@ -2862,7 +2873,7 @@
           <a:p>
             <a:fld id="{CF3F6E35-D0F9-408A-989B-5A9B16651A43}" type="datetimeFigureOut">
               <a:rPr lang="ru-RU" smtClean="0"/>
-              <a:t>21.10.2024</a:t>
+              <a:t>22.10.2024</a:t>
             </a:fld>
             <a:endParaRPr lang="ru-RU"/>
           </a:p>
@@ -3032,7 +3043,7 @@
           <a:p>
             <a:fld id="{CF3F6E35-D0F9-408A-989B-5A9B16651A43}" type="datetimeFigureOut">
               <a:rPr lang="ru-RU" smtClean="0"/>
-              <a:t>21.10.2024</a:t>
+              <a:t>22.10.2024</a:t>
             </a:fld>
             <a:endParaRPr lang="ru-RU"/>
           </a:p>
@@ -3212,7 +3223,7 @@
           <a:p>
             <a:fld id="{CF3F6E35-D0F9-408A-989B-5A9B16651A43}" type="datetimeFigureOut">
               <a:rPr lang="ru-RU" smtClean="0"/>
-              <a:t>21.10.2024</a:t>
+              <a:t>22.10.2024</a:t>
             </a:fld>
             <a:endParaRPr lang="ru-RU"/>
           </a:p>
@@ -3382,7 +3393,7 @@
           <a:p>
             <a:fld id="{CF3F6E35-D0F9-408A-989B-5A9B16651A43}" type="datetimeFigureOut">
               <a:rPr lang="ru-RU" smtClean="0"/>
-              <a:t>21.10.2024</a:t>
+              <a:t>22.10.2024</a:t>
             </a:fld>
             <a:endParaRPr lang="ru-RU"/>
           </a:p>
@@ -3629,7 +3640,7 @@
           <a:p>
             <a:fld id="{CF3F6E35-D0F9-408A-989B-5A9B16651A43}" type="datetimeFigureOut">
               <a:rPr lang="ru-RU" smtClean="0"/>
-              <a:t>21.10.2024</a:t>
+              <a:t>22.10.2024</a:t>
             </a:fld>
             <a:endParaRPr lang="ru-RU"/>
           </a:p>
@@ -3921,7 +3932,7 @@
           <a:p>
             <a:fld id="{CF3F6E35-D0F9-408A-989B-5A9B16651A43}" type="datetimeFigureOut">
               <a:rPr lang="ru-RU" smtClean="0"/>
-              <a:t>21.10.2024</a:t>
+              <a:t>22.10.2024</a:t>
             </a:fld>
             <a:endParaRPr lang="ru-RU"/>
           </a:p>
@@ -4365,7 +4376,7 @@
           <a:p>
             <a:fld id="{CF3F6E35-D0F9-408A-989B-5A9B16651A43}" type="datetimeFigureOut">
               <a:rPr lang="ru-RU" smtClean="0"/>
-              <a:t>21.10.2024</a:t>
+              <a:t>22.10.2024</a:t>
             </a:fld>
             <a:endParaRPr lang="ru-RU"/>
           </a:p>
@@ -4483,7 +4494,7 @@
           <a:p>
             <a:fld id="{CF3F6E35-D0F9-408A-989B-5A9B16651A43}" type="datetimeFigureOut">
               <a:rPr lang="ru-RU" smtClean="0"/>
-              <a:t>21.10.2024</a:t>
+              <a:t>22.10.2024</a:t>
             </a:fld>
             <a:endParaRPr lang="ru-RU"/>
           </a:p>
@@ -4578,7 +4589,7 @@
           <a:p>
             <a:fld id="{CF3F6E35-D0F9-408A-989B-5A9B16651A43}" type="datetimeFigureOut">
               <a:rPr lang="ru-RU" smtClean="0"/>
-              <a:t>21.10.2024</a:t>
+              <a:t>22.10.2024</a:t>
             </a:fld>
             <a:endParaRPr lang="ru-RU"/>
           </a:p>
@@ -4857,7 +4868,7 @@
           <a:p>
             <a:fld id="{CF3F6E35-D0F9-408A-989B-5A9B16651A43}" type="datetimeFigureOut">
               <a:rPr lang="ru-RU" smtClean="0"/>
-              <a:t>21.10.2024</a:t>
+              <a:t>22.10.2024</a:t>
             </a:fld>
             <a:endParaRPr lang="ru-RU"/>
           </a:p>
@@ -5132,7 +5143,7 @@
           <a:p>
             <a:fld id="{CF3F6E35-D0F9-408A-989B-5A9B16651A43}" type="datetimeFigureOut">
               <a:rPr lang="ru-RU" smtClean="0"/>
-              <a:t>21.10.2024</a:t>
+              <a:t>22.10.2024</a:t>
             </a:fld>
             <a:endParaRPr lang="ru-RU"/>
           </a:p>
@@ -5561,7 +5572,7 @@
           <a:p>
             <a:fld id="{CF3F6E35-D0F9-408A-989B-5A9B16651A43}" type="datetimeFigureOut">
               <a:rPr lang="ru-RU" smtClean="0"/>
-              <a:t>21.10.2024</a:t>
+              <a:t>22.10.2024</a:t>
             </a:fld>
             <a:endParaRPr lang="ru-RU"/>
           </a:p>
@@ -6170,15 +6181,7 @@
             </a:pPr>
             <a:r>
               <a:rPr lang="ru-RU" sz="1800" dirty="0"/>
-              <a:t>студент группы ИСП-4121: </a:t>
-            </a:r>
-            <a:r>
-              <a:rPr lang="ru-RU" sz="1800" dirty="0" err="1"/>
-              <a:t>Исхаков</a:t>
-            </a:r>
-            <a:r>
-              <a:rPr lang="ru-RU" sz="1800" dirty="0"/>
-              <a:t> Арсен</a:t>
+              <a:t>студент группы ИСП-4121: Исхаков Арсен</a:t>
             </a:r>
           </a:p>
         </p:txBody>
@@ -6193,6 +6196,137 @@
   <p:clrMapOvr>
     <a:masterClrMapping/>
   </p:clrMapOvr>
+  <mc:AlternateContent xmlns:mc="http://schemas.openxmlformats.org/markup-compatibility/2006">
+    <mc:Choice xmlns:p14="http://schemas.microsoft.com/office/powerpoint/2010/main" Requires="p14">
+      <p:transition spd="slow" p14:dur="3400">
+        <p14:reveal/>
+      </p:transition>
+    </mc:Choice>
+    <mc:Fallback>
+      <p:transition spd="slow">
+        <p:fade/>
+      </p:transition>
+    </mc:Fallback>
+  </mc:AlternateContent>
+</p:sld>
+</file>
+
+<file path=ppt/slides/slide10.xml><?xml version="1.0" encoding="utf-8"?>
+<p:sld xmlns:a="http://schemas.openxmlformats.org/drawingml/2006/main" xmlns:r="http://schemas.openxmlformats.org/officeDocument/2006/relationships" xmlns:p="http://schemas.openxmlformats.org/presentationml/2006/main">
+  <p:cSld>
+    <p:spTree>
+      <p:nvGrpSpPr>
+        <p:cNvPr id="1" name=""/>
+        <p:cNvGrpSpPr/>
+        <p:nvPr/>
+      </p:nvGrpSpPr>
+      <p:grpSpPr>
+        <a:xfrm>
+          <a:off x="0" y="0"/>
+          <a:ext cx="0" cy="0"/>
+          <a:chOff x="0" y="0"/>
+          <a:chExt cx="0" cy="0"/>
+        </a:xfrm>
+      </p:grpSpPr>
+      <p:sp>
+        <p:nvSpPr>
+          <p:cNvPr id="2" name="Заголовок 1">
+            <a:extLst>
+              <a:ext uri="{FF2B5EF4-FFF2-40B4-BE49-F238E27FC236}">
+                <a16:creationId xmlns:a16="http://schemas.microsoft.com/office/drawing/2014/main" id="{9254E4D1-2B6C-4875-B301-02833C5A8CB8}"/>
+              </a:ext>
+            </a:extLst>
+          </p:cNvPr>
+          <p:cNvSpPr>
+            <a:spLocks noGrp="1"/>
+          </p:cNvSpPr>
+          <p:nvPr>
+            <p:ph type="title"/>
+          </p:nvPr>
+        </p:nvSpPr>
+        <p:spPr/>
+        <p:txBody>
+          <a:bodyPr/>
+          <a:lstStyle/>
+          <a:p>
+            <a:r>
+              <a:rPr lang="ru-RU" dirty="0"/>
+              <a:t>Информация была взята из</a:t>
+            </a:r>
+          </a:p>
+        </p:txBody>
+      </p:sp>
+      <p:sp>
+        <p:nvSpPr>
+          <p:cNvPr id="3" name="Объект 2">
+            <a:extLst>
+              <a:ext uri="{FF2B5EF4-FFF2-40B4-BE49-F238E27FC236}">
+                <a16:creationId xmlns:a16="http://schemas.microsoft.com/office/drawing/2014/main" id="{05033D04-10DE-4517-8402-4A107845B03E}"/>
+              </a:ext>
+            </a:extLst>
+          </p:cNvPr>
+          <p:cNvSpPr>
+            <a:spLocks noGrp="1"/>
+          </p:cNvSpPr>
+          <p:nvPr>
+            <p:ph idx="1"/>
+          </p:nvPr>
+        </p:nvSpPr>
+        <p:spPr/>
+        <p:txBody>
+          <a:bodyPr/>
+          <a:lstStyle/>
+          <a:p>
+            <a:r>
+              <a:rPr lang="en-US" dirty="0">
+                <a:hlinkClick r:id="rId2"/>
+              </a:rPr>
+              <a:t>https://support.industry.siemens.com/cs/mdm/109749263?c=105026019595&amp;dl=zh&amp;lc=de-BG</a:t>
+            </a:r>
+            <a:endParaRPr lang="ru-RU" dirty="0"/>
+          </a:p>
+          <a:p>
+            <a:r>
+              <a:rPr lang="en-US" dirty="0">
+                <a:hlinkClick r:id="rId3"/>
+              </a:rPr>
+              <a:t>https://controlengrussia.com/industry-4-0/cifrovaja-transformacija/</a:t>
+            </a:r>
+            <a:endParaRPr lang="ru-RU" dirty="0"/>
+          </a:p>
+          <a:p>
+            <a:r>
+              <a:rPr lang="en-US" dirty="0">
+                <a:hlinkClick r:id="rId4"/>
+              </a:rPr>
+              <a:t>https://www.youtube.com/@SiemensDIKorea</a:t>
+            </a:r>
+            <a:endParaRPr lang="ru-RU" dirty="0"/>
+          </a:p>
+        </p:txBody>
+      </p:sp>
+    </p:spTree>
+    <p:extLst>
+      <p:ext uri="{BB962C8B-B14F-4D97-AF65-F5344CB8AC3E}">
+        <p14:creationId xmlns:p14="http://schemas.microsoft.com/office/powerpoint/2010/main" val="2782903247"/>
+      </p:ext>
+    </p:extLst>
+  </p:cSld>
+  <p:clrMapOvr>
+    <a:masterClrMapping/>
+  </p:clrMapOvr>
+  <mc:AlternateContent xmlns:mc="http://schemas.openxmlformats.org/markup-compatibility/2006">
+    <mc:Choice xmlns:p14="http://schemas.microsoft.com/office/powerpoint/2010/main" Requires="p14">
+      <p:transition spd="slow" p14:dur="3400">
+        <p14:reveal/>
+      </p:transition>
+    </mc:Choice>
+    <mc:Fallback>
+      <p:transition spd="slow">
+        <p:fade/>
+      </p:transition>
+    </mc:Fallback>
+  </mc:AlternateContent>
 </p:sld>
 </file>
 
@@ -6297,6 +6431,18 @@
   <p:clrMapOvr>
     <a:masterClrMapping/>
   </p:clrMapOvr>
+  <mc:AlternateContent xmlns:mc="http://schemas.openxmlformats.org/markup-compatibility/2006">
+    <mc:Choice xmlns:p14="http://schemas.microsoft.com/office/powerpoint/2010/main" Requires="p14">
+      <p:transition spd="slow" p14:dur="3400">
+        <p14:reveal/>
+      </p:transition>
+    </mc:Choice>
+    <mc:Fallback>
+      <p:transition spd="slow">
+        <p:fade/>
+      </p:transition>
+    </mc:Fallback>
+  </mc:AlternateContent>
 </p:sld>
 </file>
 
@@ -6416,46 +6562,21 @@
           </a:p>
         </p:txBody>
       </p:sp>
-      <p:sp>
-        <p:nvSpPr>
-          <p:cNvPr id="4" name="Объект 3">
+      <p:pic>
+        <p:nvPicPr>
+          <p:cNvPr id="6" name="Picture 2" descr="Более 164 200 работ на тему «искусственный интеллект»: стоковые  иллюстрации, векторная графика и клипарт royalty-free - iStock">
             <a:extLst>
               <a:ext uri="{FF2B5EF4-FFF2-40B4-BE49-F238E27FC236}">
-                <a16:creationId xmlns:a16="http://schemas.microsoft.com/office/drawing/2014/main" id="{B6053E72-A7A5-41E9-A5D6-7BE7B91AA9B3}"/>
-              </a:ext>
-            </a:extLst>
-          </p:cNvPr>
-          <p:cNvSpPr>
-            <a:spLocks noGrp="1"/>
-          </p:cNvSpPr>
-          <p:nvPr>
-            <p:ph sz="half" idx="2"/>
-          </p:nvPr>
-        </p:nvSpPr>
-        <p:spPr/>
-        <p:txBody>
-          <a:bodyPr>
-            <a:normAutofit fontScale="92500" lnSpcReduction="20000"/>
-          </a:bodyPr>
-          <a:lstStyle/>
-          <a:p>
-            <a:endParaRPr lang="ru-RU"/>
-          </a:p>
-        </p:txBody>
-      </p:sp>
-      <p:pic>
-        <p:nvPicPr>
-          <p:cNvPr id="1026" name="Picture 2" descr="Более 164 200 работ на тему «искусственный интеллект»: стоковые  иллюстрации, векторная графика и клипарт royalty-free - iStock">
-            <a:extLst>
-              <a:ext uri="{FF2B5EF4-FFF2-40B4-BE49-F238E27FC236}">
-                <a16:creationId xmlns:a16="http://schemas.microsoft.com/office/drawing/2014/main" id="{A7E78306-4C27-4E59-BC06-1A9E488AC8A1}"/>
+                <a16:creationId xmlns:a16="http://schemas.microsoft.com/office/drawing/2014/main" id="{3558E7AF-0B83-46AA-B080-85891F2B1742}"/>
               </a:ext>
             </a:extLst>
           </p:cNvPr>
           <p:cNvPicPr>
-            <a:picLocks noChangeAspect="1" noChangeArrowheads="1"/>
+            <a:picLocks noGrp="1" noChangeAspect="1" noChangeArrowheads="1"/>
           </p:cNvPicPr>
-          <p:nvPr/>
+          <p:nvPr>
+            <p:ph sz="half" idx="2"/>
+          </p:nvPr>
         </p:nvPicPr>
         <p:blipFill>
           <a:blip r:embed="rId2">
@@ -6472,8 +6593,8 @@
         </p:blipFill>
         <p:spPr bwMode="auto">
           <a:xfrm>
-            <a:off x="5832270" y="1949792"/>
-            <a:ext cx="5172142" cy="4074771"/>
+            <a:off x="6974048" y="1946246"/>
+            <a:ext cx="3987566" cy="3565321"/>
           </a:xfrm>
           <a:prstGeom prst="rect">
             <a:avLst/>
@@ -6500,6 +6621,18 @@
   <p:clrMapOvr>
     <a:masterClrMapping/>
   </p:clrMapOvr>
+  <mc:AlternateContent xmlns:mc="http://schemas.openxmlformats.org/markup-compatibility/2006">
+    <mc:Choice xmlns:p14="http://schemas.microsoft.com/office/powerpoint/2010/main" Requires="p14">
+      <p:transition spd="slow" p14:dur="3400">
+        <p14:reveal/>
+      </p:transition>
+    </mc:Choice>
+    <mc:Fallback>
+      <p:transition spd="slow">
+        <p:fade/>
+      </p:transition>
+    </mc:Fallback>
+  </mc:AlternateContent>
 </p:sld>
 </file>
 
@@ -6564,43 +6697,128 @@
             <p:ph sz="half" idx="1"/>
           </p:nvPr>
         </p:nvSpPr>
-        <p:spPr/>
-        <p:txBody>
-          <a:bodyPr/>
+        <p:spPr>
+          <a:xfrm>
+            <a:off x="999848" y="2228356"/>
+            <a:ext cx="5096152" cy="3778162"/>
+          </a:xfrm>
+        </p:spPr>
+        <p:txBody>
+          <a:bodyPr>
+            <a:normAutofit/>
+          </a:bodyPr>
           <a:lstStyle/>
           <a:p>
             <a:r>
-              <a:rPr lang="ru-RU" dirty="0"/>
-              <a:t>Отличительные черты искусственного интеллекта – способность обучения и автоматизация задач.</a:t>
-            </a:r>
-          </a:p>
-          <a:p>
-            <a:endParaRPr lang="ru-RU" dirty="0"/>
-          </a:p>
-        </p:txBody>
-      </p:sp>
-      <p:sp>
-        <p:nvSpPr>
-          <p:cNvPr id="4" name="Объект 3">
+              <a:rPr lang="ru-RU" sz="2000" dirty="0"/>
+              <a:t>Искусственный интеллект очень быстро набирает популярность в современном </a:t>
+            </a:r>
+            <a:r>
+              <a:rPr lang="ru-RU" sz="2400" dirty="0"/>
+              <a:t>мире</a:t>
+            </a:r>
+            <a:r>
+              <a:rPr lang="ru-RU" sz="2000" dirty="0"/>
+              <a:t>. Но все же какие основные характеристики этого «интеллекта»</a:t>
+            </a:r>
+            <a:r>
+              <a:rPr lang="en-US" sz="2000" dirty="0"/>
+              <a:t>?</a:t>
+            </a:r>
+            <a:endParaRPr lang="ru-RU" sz="2000" dirty="0"/>
+          </a:p>
+        </p:txBody>
+      </p:sp>
+      <p:sp>
+        <p:nvSpPr>
+          <p:cNvPr id="5" name="Прямоугольник 4">
             <a:extLst>
               <a:ext uri="{FF2B5EF4-FFF2-40B4-BE49-F238E27FC236}">
-                <a16:creationId xmlns:a16="http://schemas.microsoft.com/office/drawing/2014/main" id="{68CCAEAE-2C23-4231-B4C0-8EBE11F67F58}"/>
+                <a16:creationId xmlns:a16="http://schemas.microsoft.com/office/drawing/2014/main" id="{5DEA8BC8-A2B8-4973-8B46-4723713743EF}"/>
               </a:ext>
             </a:extLst>
           </p:cNvPr>
-          <p:cNvSpPr>
-            <a:spLocks noGrp="1"/>
-          </p:cNvSpPr>
-          <p:nvPr>
-            <p:ph sz="half" idx="2"/>
-          </p:nvPr>
-        </p:nvSpPr>
-        <p:spPr/>
-        <p:txBody>
-          <a:bodyPr/>
+          <p:cNvSpPr/>
+          <p:nvPr/>
+        </p:nvSpPr>
+        <p:spPr>
+          <a:xfrm>
+            <a:off x="6373569" y="2146863"/>
+            <a:ext cx="4396341" cy="1794454"/>
+          </a:xfrm>
+          <a:prstGeom prst="rect">
+            <a:avLst/>
+          </a:prstGeom>
+          <a:noFill/>
+          <a:ln>
+            <a:noFill/>
+          </a:ln>
+        </p:spPr>
+        <p:style>
+          <a:lnRef idx="2">
+            <a:schemeClr val="accent1">
+              <a:shade val="50000"/>
+            </a:schemeClr>
+          </a:lnRef>
+          <a:fillRef idx="1">
+            <a:schemeClr val="accent1"/>
+          </a:fillRef>
+          <a:effectRef idx="0">
+            <a:schemeClr val="accent1"/>
+          </a:effectRef>
+          <a:fontRef idx="minor">
+            <a:schemeClr val="lt1"/>
+          </a:fontRef>
+        </p:style>
+        <p:txBody>
+          <a:bodyPr rtlCol="0" anchor="ctr"/>
           <a:lstStyle/>
           <a:p>
-            <a:endParaRPr lang="ru-RU"/>
+            <a:pPr marL="285750" indent="-285750">
+              <a:buFont typeface="Arial" panose="020B0604020202020204" pitchFamily="34" charset="0"/>
+              <a:buChar char="•"/>
+            </a:pPr>
+            <a:r>
+              <a:rPr lang="ru-RU" sz="2400" b="1" dirty="0"/>
+              <a:t>Анализ данных</a:t>
+            </a:r>
+          </a:p>
+          <a:p>
+            <a:pPr marL="285750" indent="-285750">
+              <a:buFont typeface="Arial" panose="020B0604020202020204" pitchFamily="34" charset="0"/>
+              <a:buChar char="•"/>
+            </a:pPr>
+            <a:r>
+              <a:rPr lang="ru-RU" sz="2400" b="1" dirty="0"/>
+              <a:t>Обучение</a:t>
+            </a:r>
+          </a:p>
+          <a:p>
+            <a:pPr marL="285750" indent="-285750">
+              <a:buFont typeface="Arial" panose="020B0604020202020204" pitchFamily="34" charset="0"/>
+              <a:buChar char="•"/>
+            </a:pPr>
+            <a:r>
+              <a:rPr lang="ru-RU" sz="2400" b="1" dirty="0">
+                <a:latin typeface="Century Gothic (Заголовки)Основной текст)"/>
+              </a:rPr>
+              <a:t>Распознавание</a:t>
+            </a:r>
+            <a:r>
+              <a:rPr lang="ru-RU" sz="2400" b="1" dirty="0"/>
+              <a:t> образов</a:t>
+            </a:r>
+          </a:p>
+          <a:p>
+            <a:pPr marL="285750" indent="-285750">
+              <a:buFont typeface="Arial" panose="020B0604020202020204" pitchFamily="34" charset="0"/>
+              <a:buChar char="•"/>
+            </a:pPr>
+            <a:r>
+              <a:rPr lang="ru-RU" sz="2400" b="1" dirty="0"/>
+              <a:t>Автономность</a:t>
+            </a:r>
+            <a:endParaRPr lang="ru-RU" sz="2400" dirty="0"/>
           </a:p>
         </p:txBody>
       </p:sp>
@@ -6608,6 +6826,1176 @@
     <p:extLst>
       <p:ext uri="{BB962C8B-B14F-4D97-AF65-F5344CB8AC3E}">
         <p14:creationId xmlns:p14="http://schemas.microsoft.com/office/powerpoint/2010/main" val="3652049507"/>
+      </p:ext>
+    </p:extLst>
+  </p:cSld>
+  <p:clrMapOvr>
+    <a:masterClrMapping/>
+  </p:clrMapOvr>
+  <mc:AlternateContent xmlns:mc="http://schemas.openxmlformats.org/markup-compatibility/2006">
+    <mc:Choice xmlns:p14="http://schemas.microsoft.com/office/powerpoint/2010/main" Requires="p14">
+      <p:transition spd="slow" p14:dur="3400">
+        <p14:reveal/>
+      </p:transition>
+    </mc:Choice>
+    <mc:Fallback>
+      <p:transition spd="slow">
+        <p:fade/>
+      </p:transition>
+    </mc:Fallback>
+  </mc:AlternateContent>
+  <p:timing>
+    <p:tnLst>
+      <p:par>
+        <p:cTn id="1" dur="indefinite" restart="never" nodeType="tmRoot">
+          <p:childTnLst>
+            <p:seq concurrent="1" nextAc="seek">
+              <p:cTn id="2" restart="whenNotActive" fill="hold" evtFilter="cancelBubble" nodeType="interactiveSeq">
+                <p:stCondLst>
+                  <p:cond evt="onClick" delay="0">
+                    <p:tgtEl>
+                      <p:spTgt spid="3"/>
+                    </p:tgtEl>
+                  </p:cond>
+                </p:stCondLst>
+                <p:endSync evt="end" delay="0">
+                  <p:rtn val="all"/>
+                </p:endSync>
+                <p:childTnLst>
+                  <p:par>
+                    <p:cTn id="3" fill="hold">
+                      <p:stCondLst>
+                        <p:cond delay="0"/>
+                      </p:stCondLst>
+                      <p:childTnLst>
+                        <p:par>
+                          <p:cTn id="4" fill="hold">
+                            <p:stCondLst>
+                              <p:cond delay="0"/>
+                            </p:stCondLst>
+                            <p:childTnLst>
+                              <p:par>
+                                <p:cTn id="5" presetID="22" presetClass="entr" presetSubtype="4" fill="hold" grpId="0" nodeType="clickEffect">
+                                  <p:stCondLst>
+                                    <p:cond delay="0"/>
+                                  </p:stCondLst>
+                                  <p:childTnLst>
+                                    <p:set>
+                                      <p:cBhvr>
+                                        <p:cTn id="6" dur="1" fill="hold">
+                                          <p:stCondLst>
+                                            <p:cond delay="0"/>
+                                          </p:stCondLst>
+                                        </p:cTn>
+                                        <p:tgtEl>
+                                          <p:spTgt spid="5"/>
+                                        </p:tgtEl>
+                                        <p:attrNameLst>
+                                          <p:attrName>style.visibility</p:attrName>
+                                        </p:attrNameLst>
+                                      </p:cBhvr>
+                                      <p:to>
+                                        <p:strVal val="visible"/>
+                                      </p:to>
+                                    </p:set>
+                                    <p:animEffect transition="in" filter="wipe(down)">
+                                      <p:cBhvr>
+                                        <p:cTn id="7" dur="500"/>
+                                        <p:tgtEl>
+                                          <p:spTgt spid="5"/>
+                                        </p:tgtEl>
+                                      </p:cBhvr>
+                                    </p:animEffect>
+                                  </p:childTnLst>
+                                </p:cTn>
+                              </p:par>
+                            </p:childTnLst>
+                          </p:cTn>
+                        </p:par>
+                      </p:childTnLst>
+                    </p:cTn>
+                  </p:par>
+                </p:childTnLst>
+              </p:cTn>
+              <p:nextCondLst>
+                <p:cond evt="onClick" delay="0">
+                  <p:tgtEl>
+                    <p:spTgt spid="3"/>
+                  </p:tgtEl>
+                </p:cond>
+              </p:nextCondLst>
+            </p:seq>
+          </p:childTnLst>
+        </p:cTn>
+      </p:par>
+    </p:tnLst>
+    <p:bldLst>
+      <p:bldP spid="5" grpId="0"/>
+    </p:bldLst>
+  </p:timing>
+</p:sld>
+</file>
+
+<file path=ppt/slides/slide5.xml><?xml version="1.0" encoding="utf-8"?>
+<p:sld xmlns:a="http://schemas.openxmlformats.org/drawingml/2006/main" xmlns:r="http://schemas.openxmlformats.org/officeDocument/2006/relationships" xmlns:p="http://schemas.openxmlformats.org/presentationml/2006/main">
+  <p:cSld>
+    <p:spTree>
+      <p:nvGrpSpPr>
+        <p:cNvPr id="1" name=""/>
+        <p:cNvGrpSpPr/>
+        <p:nvPr/>
+      </p:nvGrpSpPr>
+      <p:grpSpPr>
+        <a:xfrm>
+          <a:off x="0" y="0"/>
+          <a:ext cx="0" cy="0"/>
+          <a:chOff x="0" y="0"/>
+          <a:chExt cx="0" cy="0"/>
+        </a:xfrm>
+      </p:grpSpPr>
+      <p:sp>
+        <p:nvSpPr>
+          <p:cNvPr id="2" name="Заголовок 1">
+            <a:extLst>
+              <a:ext uri="{FF2B5EF4-FFF2-40B4-BE49-F238E27FC236}">
+                <a16:creationId xmlns:a16="http://schemas.microsoft.com/office/drawing/2014/main" id="{9859411F-69D0-4551-9193-150150F0BF62}"/>
+              </a:ext>
+            </a:extLst>
+          </p:cNvPr>
+          <p:cNvSpPr>
+            <a:spLocks noGrp="1"/>
+          </p:cNvSpPr>
+          <p:nvPr>
+            <p:ph type="title"/>
+          </p:nvPr>
+        </p:nvSpPr>
+        <p:spPr/>
+        <p:txBody>
+          <a:bodyPr/>
+          <a:lstStyle/>
+          <a:p>
+            <a:r>
+              <a:rPr lang="ru-RU" sz="3600" dirty="0"/>
+              <a:t>«Сферы использования ИИ»</a:t>
+            </a:r>
+          </a:p>
+        </p:txBody>
+      </p:sp>
+      <p:sp>
+        <p:nvSpPr>
+          <p:cNvPr id="3" name="Объект 2">
+            <a:extLst>
+              <a:ext uri="{FF2B5EF4-FFF2-40B4-BE49-F238E27FC236}">
+                <a16:creationId xmlns:a16="http://schemas.microsoft.com/office/drawing/2014/main" id="{5F962B9F-7713-4FA5-97C8-B6CFA9C6FB6D}"/>
+              </a:ext>
+            </a:extLst>
+          </p:cNvPr>
+          <p:cNvSpPr>
+            <a:spLocks noGrp="1"/>
+          </p:cNvSpPr>
+          <p:nvPr>
+            <p:ph sz="half" idx="1"/>
+          </p:nvPr>
+        </p:nvSpPr>
+        <p:spPr>
+          <a:xfrm>
+            <a:off x="1111701" y="2056092"/>
+            <a:ext cx="4396339" cy="4195763"/>
+          </a:xfrm>
+        </p:spPr>
+        <p:txBody>
+          <a:bodyPr>
+            <a:normAutofit lnSpcReduction="10000"/>
+          </a:bodyPr>
+          <a:lstStyle/>
+          <a:p>
+            <a:r>
+              <a:rPr lang="ru-RU" dirty="0"/>
+              <a:t>Сферы влияния искусственного интеллекта огромны. Он уже сейчас влияет на медицину, позволяя врачам более точно диагностировать болезни, разрабатывать новые методы лечения и даже составлять индивидуальные планы терапии. В медиа сфере ИИ помогает создавать уникальный контент, улучшает рекомендательные системы и автоматизирует процесс редактирования видео и аудио.</a:t>
+            </a:r>
+          </a:p>
+          <a:p>
+            <a:pPr marL="0" indent="0">
+              <a:buNone/>
+            </a:pPr>
+            <a:r>
+              <a:rPr lang="ru-RU" dirty="0"/>
+              <a:t>                                                                                                                         </a:t>
+            </a:r>
+          </a:p>
+        </p:txBody>
+      </p:sp>
+      <p:pic>
+        <p:nvPicPr>
+          <p:cNvPr id="1028" name="Picture 4" descr="Как корпорации используют страх перед искусственным интеллектом, чтобы  ограбить авторов - Российская газета">
+            <a:extLst>
+              <a:ext uri="{FF2B5EF4-FFF2-40B4-BE49-F238E27FC236}">
+                <a16:creationId xmlns:a16="http://schemas.microsoft.com/office/drawing/2014/main" id="{C63508AE-468D-49E3-9BFE-AD3CC486B870}"/>
+              </a:ext>
+            </a:extLst>
+          </p:cNvPr>
+          <p:cNvPicPr>
+            <a:picLocks noGrp="1" noChangeAspect="1" noChangeArrowheads="1"/>
+          </p:cNvPicPr>
+          <p:nvPr>
+            <p:ph sz="half" idx="2"/>
+          </p:nvPr>
+        </p:nvPicPr>
+        <p:blipFill>
+          <a:blip r:embed="rId2">
+            <a:extLst>
+              <a:ext uri="{28A0092B-C50C-407E-A947-70E740481C1C}">
+                <a14:useLocalDpi xmlns:a14="http://schemas.microsoft.com/office/drawing/2010/main" val="0"/>
+              </a:ext>
+            </a:extLst>
+          </a:blip>
+          <a:srcRect/>
+          <a:stretch>
+            <a:fillRect/>
+          </a:stretch>
+        </p:blipFill>
+        <p:spPr bwMode="auto">
+          <a:xfrm>
+            <a:off x="6096000" y="2218904"/>
+            <a:ext cx="4395788" cy="2901220"/>
+          </a:xfrm>
+          <a:prstGeom prst="rect">
+            <a:avLst/>
+          </a:prstGeom>
+          <a:noFill/>
+          <a:extLst>
+            <a:ext uri="{909E8E84-426E-40DD-AFC4-6F175D3DCCD1}">
+              <a14:hiddenFill xmlns:a14="http://schemas.microsoft.com/office/drawing/2010/main">
+                <a:solidFill>
+                  <a:srgbClr val="FFFFFF"/>
+                </a:solidFill>
+              </a14:hiddenFill>
+            </a:ext>
+          </a:extLst>
+        </p:spPr>
+      </p:pic>
+    </p:spTree>
+    <p:extLst>
+      <p:ext uri="{BB962C8B-B14F-4D97-AF65-F5344CB8AC3E}">
+        <p14:creationId xmlns:p14="http://schemas.microsoft.com/office/powerpoint/2010/main" val="1964127531"/>
+      </p:ext>
+    </p:extLst>
+  </p:cSld>
+  <p:clrMapOvr>
+    <a:masterClrMapping/>
+  </p:clrMapOvr>
+  <mc:AlternateContent xmlns:mc="http://schemas.openxmlformats.org/markup-compatibility/2006">
+    <mc:Choice xmlns:p14="http://schemas.microsoft.com/office/powerpoint/2010/main" Requires="p14">
+      <p:transition spd="slow" p14:dur="3400">
+        <p14:reveal/>
+      </p:transition>
+    </mc:Choice>
+    <mc:Fallback>
+      <p:transition spd="slow">
+        <p:fade/>
+      </p:transition>
+    </mc:Fallback>
+  </mc:AlternateContent>
+</p:sld>
+</file>
+
+<file path=ppt/slides/slide6.xml><?xml version="1.0" encoding="utf-8"?>
+<p:sld xmlns:a="http://schemas.openxmlformats.org/drawingml/2006/main" xmlns:r="http://schemas.openxmlformats.org/officeDocument/2006/relationships" xmlns:p="http://schemas.openxmlformats.org/presentationml/2006/main">
+  <p:cSld>
+    <p:spTree>
+      <p:nvGrpSpPr>
+        <p:cNvPr id="1" name=""/>
+        <p:cNvGrpSpPr/>
+        <p:nvPr/>
+      </p:nvGrpSpPr>
+      <p:grpSpPr>
+        <a:xfrm>
+          <a:off x="0" y="0"/>
+          <a:ext cx="0" cy="0"/>
+          <a:chOff x="0" y="0"/>
+          <a:chExt cx="0" cy="0"/>
+        </a:xfrm>
+      </p:grpSpPr>
+      <p:sp>
+        <p:nvSpPr>
+          <p:cNvPr id="2" name="Заголовок 1">
+            <a:extLst>
+              <a:ext uri="{FF2B5EF4-FFF2-40B4-BE49-F238E27FC236}">
+                <a16:creationId xmlns:a16="http://schemas.microsoft.com/office/drawing/2014/main" id="{3ED22478-4CA5-44D6-A7C8-9DB30D4097F6}"/>
+              </a:ext>
+            </a:extLst>
+          </p:cNvPr>
+          <p:cNvSpPr>
+            <a:spLocks noGrp="1"/>
+          </p:cNvSpPr>
+          <p:nvPr>
+            <p:ph type="title"/>
+          </p:nvPr>
+        </p:nvSpPr>
+        <p:spPr/>
+        <p:txBody>
+          <a:bodyPr/>
+          <a:lstStyle/>
+          <a:p>
+            <a:r>
+              <a:rPr lang="ru-RU" sz="2800" dirty="0"/>
+              <a:t>«Какова же роль ИИ в сфере Производства ?» </a:t>
+            </a:r>
+          </a:p>
+        </p:txBody>
+      </p:sp>
+      <p:sp>
+        <p:nvSpPr>
+          <p:cNvPr id="3" name="Объект 2">
+            <a:extLst>
+              <a:ext uri="{FF2B5EF4-FFF2-40B4-BE49-F238E27FC236}">
+                <a16:creationId xmlns:a16="http://schemas.microsoft.com/office/drawing/2014/main" id="{B1FF3F7B-107B-440C-9C04-28E0052FB425}"/>
+              </a:ext>
+            </a:extLst>
+          </p:cNvPr>
+          <p:cNvSpPr>
+            <a:spLocks noGrp="1"/>
+          </p:cNvSpPr>
+          <p:nvPr>
+            <p:ph sz="half" idx="1"/>
+          </p:nvPr>
+        </p:nvSpPr>
+        <p:spPr/>
+        <p:txBody>
+          <a:bodyPr/>
+          <a:lstStyle/>
+          <a:p>
+            <a:r>
+              <a:rPr lang="ru-RU" dirty="0"/>
+              <a:t>Искусственный интеллект играет важную роль в индустрии производства и промышленности, значительно влияя на повышение эффективности, снижение затрат и улучшение качества продукции</a:t>
+            </a:r>
+          </a:p>
+        </p:txBody>
+      </p:sp>
+      <p:sp>
+        <p:nvSpPr>
+          <p:cNvPr id="4" name="Объект 3">
+            <a:extLst>
+              <a:ext uri="{FF2B5EF4-FFF2-40B4-BE49-F238E27FC236}">
+                <a16:creationId xmlns:a16="http://schemas.microsoft.com/office/drawing/2014/main" id="{2BA89C8D-490D-4E36-995F-C872377E17E9}"/>
+              </a:ext>
+            </a:extLst>
+          </p:cNvPr>
+          <p:cNvSpPr>
+            <a:spLocks noGrp="1"/>
+          </p:cNvSpPr>
+          <p:nvPr>
+            <p:ph sz="half" idx="2"/>
+          </p:nvPr>
+        </p:nvSpPr>
+        <p:spPr>
+          <a:xfrm>
+            <a:off x="6367557" y="2056093"/>
+            <a:ext cx="4396341" cy="4200245"/>
+          </a:xfrm>
+        </p:spPr>
+        <p:txBody>
+          <a:bodyPr/>
+          <a:lstStyle/>
+          <a:p>
+            <a:pPr marL="0" indent="0">
+              <a:buNone/>
+            </a:pPr>
+            <a:r>
+              <a:rPr lang="ru-RU" dirty="0"/>
+              <a:t>Список компаний использующих ИИ в процессе производства: </a:t>
+            </a:r>
+          </a:p>
+          <a:p>
+            <a:pPr>
+              <a:buFont typeface="Arial" panose="020B0604020202020204" pitchFamily="34" charset="0"/>
+              <a:buChar char="•"/>
+            </a:pPr>
+            <a:r>
+              <a:rPr lang="en-US" dirty="0"/>
+              <a:t>Siemens AG</a:t>
+            </a:r>
+            <a:endParaRPr lang="ru-RU" dirty="0"/>
+          </a:p>
+          <a:p>
+            <a:pPr>
+              <a:buFont typeface="Arial" panose="020B0604020202020204" pitchFamily="34" charset="0"/>
+              <a:buChar char="•"/>
+            </a:pPr>
+            <a:r>
+              <a:rPr lang="en-US" dirty="0"/>
+              <a:t>General Electric </a:t>
+            </a:r>
+            <a:endParaRPr lang="ru-RU" dirty="0"/>
+          </a:p>
+          <a:p>
+            <a:pPr>
+              <a:buFont typeface="Arial" panose="020B0604020202020204" pitchFamily="34" charset="0"/>
+              <a:buChar char="•"/>
+            </a:pPr>
+            <a:r>
+              <a:rPr lang="en-US" dirty="0"/>
+              <a:t>FANUC Corporation</a:t>
+            </a:r>
+            <a:endParaRPr lang="ru-RU" dirty="0"/>
+          </a:p>
+          <a:p>
+            <a:pPr>
+              <a:buFont typeface="Arial" panose="020B0604020202020204" pitchFamily="34" charset="0"/>
+              <a:buChar char="•"/>
+            </a:pPr>
+            <a:r>
+              <a:rPr lang="en-US" dirty="0"/>
+              <a:t>IBM Watson</a:t>
+            </a:r>
+            <a:endParaRPr lang="ru-RU" dirty="0"/>
+          </a:p>
+        </p:txBody>
+      </p:sp>
+    </p:spTree>
+    <p:extLst>
+      <p:ext uri="{BB962C8B-B14F-4D97-AF65-F5344CB8AC3E}">
+        <p14:creationId xmlns:p14="http://schemas.microsoft.com/office/powerpoint/2010/main" val="708530059"/>
+      </p:ext>
+    </p:extLst>
+  </p:cSld>
+  <p:clrMapOvr>
+    <a:masterClrMapping/>
+  </p:clrMapOvr>
+  <mc:AlternateContent xmlns:mc="http://schemas.openxmlformats.org/markup-compatibility/2006">
+    <mc:Choice xmlns:p14="http://schemas.microsoft.com/office/powerpoint/2010/main" Requires="p14">
+      <p:transition spd="slow" p14:dur="3400">
+        <p14:reveal/>
+      </p:transition>
+    </mc:Choice>
+    <mc:Fallback>
+      <p:transition spd="slow">
+        <p:fade/>
+      </p:transition>
+    </mc:Fallback>
+  </mc:AlternateContent>
+  <p:timing>
+    <p:tnLst>
+      <p:par>
+        <p:cTn id="1" dur="indefinite" restart="never" nodeType="tmRoot">
+          <p:childTnLst>
+            <p:seq concurrent="1" nextAc="seek">
+              <p:cTn id="2" dur="indefinite" nodeType="mainSeq">
+                <p:childTnLst>
+                  <p:par>
+                    <p:cTn id="3" fill="hold">
+                      <p:stCondLst>
+                        <p:cond delay="indefinite"/>
+                      </p:stCondLst>
+                      <p:childTnLst>
+                        <p:par>
+                          <p:cTn id="4" fill="hold">
+                            <p:stCondLst>
+                              <p:cond delay="0"/>
+                            </p:stCondLst>
+                            <p:childTnLst>
+                              <p:par>
+                                <p:cTn id="5" presetID="10" presetClass="entr" presetSubtype="0" fill="hold" grpId="0" nodeType="clickEffect">
+                                  <p:stCondLst>
+                                    <p:cond delay="0"/>
+                                  </p:stCondLst>
+                                  <p:childTnLst>
+                                    <p:set>
+                                      <p:cBhvr>
+                                        <p:cTn id="6" dur="1" fill="hold">
+                                          <p:stCondLst>
+                                            <p:cond delay="0"/>
+                                          </p:stCondLst>
+                                        </p:cTn>
+                                        <p:tgtEl>
+                                          <p:spTgt spid="4">
+                                            <p:txEl>
+                                              <p:pRg st="0" end="0"/>
+                                            </p:txEl>
+                                          </p:spTgt>
+                                        </p:tgtEl>
+                                        <p:attrNameLst>
+                                          <p:attrName>style.visibility</p:attrName>
+                                        </p:attrNameLst>
+                                      </p:cBhvr>
+                                      <p:to>
+                                        <p:strVal val="visible"/>
+                                      </p:to>
+                                    </p:set>
+                                    <p:animEffect transition="in" filter="fade">
+                                      <p:cBhvr>
+                                        <p:cTn id="7" dur="500"/>
+                                        <p:tgtEl>
+                                          <p:spTgt spid="4">
+                                            <p:txEl>
+                                              <p:pRg st="0" end="0"/>
+                                            </p:txEl>
+                                          </p:spTgt>
+                                        </p:tgtEl>
+                                      </p:cBhvr>
+                                    </p:animEffect>
+                                  </p:childTnLst>
+                                </p:cTn>
+                              </p:par>
+                            </p:childTnLst>
+                          </p:cTn>
+                        </p:par>
+                      </p:childTnLst>
+                    </p:cTn>
+                  </p:par>
+                  <p:par>
+                    <p:cTn id="8" fill="hold">
+                      <p:stCondLst>
+                        <p:cond delay="indefinite"/>
+                      </p:stCondLst>
+                      <p:childTnLst>
+                        <p:par>
+                          <p:cTn id="9" fill="hold">
+                            <p:stCondLst>
+                              <p:cond delay="0"/>
+                            </p:stCondLst>
+                            <p:childTnLst>
+                              <p:par>
+                                <p:cTn id="10" presetID="10" presetClass="entr" presetSubtype="0" fill="hold" grpId="0" nodeType="clickEffect">
+                                  <p:stCondLst>
+                                    <p:cond delay="0"/>
+                                  </p:stCondLst>
+                                  <p:childTnLst>
+                                    <p:set>
+                                      <p:cBhvr>
+                                        <p:cTn id="11" dur="1" fill="hold">
+                                          <p:stCondLst>
+                                            <p:cond delay="0"/>
+                                          </p:stCondLst>
+                                        </p:cTn>
+                                        <p:tgtEl>
+                                          <p:spTgt spid="4">
+                                            <p:txEl>
+                                              <p:pRg st="1" end="1"/>
+                                            </p:txEl>
+                                          </p:spTgt>
+                                        </p:tgtEl>
+                                        <p:attrNameLst>
+                                          <p:attrName>style.visibility</p:attrName>
+                                        </p:attrNameLst>
+                                      </p:cBhvr>
+                                      <p:to>
+                                        <p:strVal val="visible"/>
+                                      </p:to>
+                                    </p:set>
+                                    <p:animEffect transition="in" filter="fade">
+                                      <p:cBhvr>
+                                        <p:cTn id="12" dur="500"/>
+                                        <p:tgtEl>
+                                          <p:spTgt spid="4">
+                                            <p:txEl>
+                                              <p:pRg st="1" end="1"/>
+                                            </p:txEl>
+                                          </p:spTgt>
+                                        </p:tgtEl>
+                                      </p:cBhvr>
+                                    </p:animEffect>
+                                  </p:childTnLst>
+                                </p:cTn>
+                              </p:par>
+                            </p:childTnLst>
+                          </p:cTn>
+                        </p:par>
+                      </p:childTnLst>
+                    </p:cTn>
+                  </p:par>
+                  <p:par>
+                    <p:cTn id="13" fill="hold">
+                      <p:stCondLst>
+                        <p:cond delay="indefinite"/>
+                      </p:stCondLst>
+                      <p:childTnLst>
+                        <p:par>
+                          <p:cTn id="14" fill="hold">
+                            <p:stCondLst>
+                              <p:cond delay="0"/>
+                            </p:stCondLst>
+                            <p:childTnLst>
+                              <p:par>
+                                <p:cTn id="15" presetID="10" presetClass="entr" presetSubtype="0" fill="hold" grpId="0" nodeType="clickEffect">
+                                  <p:stCondLst>
+                                    <p:cond delay="0"/>
+                                  </p:stCondLst>
+                                  <p:childTnLst>
+                                    <p:set>
+                                      <p:cBhvr>
+                                        <p:cTn id="16" dur="1" fill="hold">
+                                          <p:stCondLst>
+                                            <p:cond delay="0"/>
+                                          </p:stCondLst>
+                                        </p:cTn>
+                                        <p:tgtEl>
+                                          <p:spTgt spid="4">
+                                            <p:txEl>
+                                              <p:pRg st="2" end="2"/>
+                                            </p:txEl>
+                                          </p:spTgt>
+                                        </p:tgtEl>
+                                        <p:attrNameLst>
+                                          <p:attrName>style.visibility</p:attrName>
+                                        </p:attrNameLst>
+                                      </p:cBhvr>
+                                      <p:to>
+                                        <p:strVal val="visible"/>
+                                      </p:to>
+                                    </p:set>
+                                    <p:animEffect transition="in" filter="fade">
+                                      <p:cBhvr>
+                                        <p:cTn id="17" dur="500"/>
+                                        <p:tgtEl>
+                                          <p:spTgt spid="4">
+                                            <p:txEl>
+                                              <p:pRg st="2" end="2"/>
+                                            </p:txEl>
+                                          </p:spTgt>
+                                        </p:tgtEl>
+                                      </p:cBhvr>
+                                    </p:animEffect>
+                                  </p:childTnLst>
+                                </p:cTn>
+                              </p:par>
+                            </p:childTnLst>
+                          </p:cTn>
+                        </p:par>
+                      </p:childTnLst>
+                    </p:cTn>
+                  </p:par>
+                  <p:par>
+                    <p:cTn id="18" fill="hold">
+                      <p:stCondLst>
+                        <p:cond delay="indefinite"/>
+                      </p:stCondLst>
+                      <p:childTnLst>
+                        <p:par>
+                          <p:cTn id="19" fill="hold">
+                            <p:stCondLst>
+                              <p:cond delay="0"/>
+                            </p:stCondLst>
+                            <p:childTnLst>
+                              <p:par>
+                                <p:cTn id="20" presetID="10" presetClass="entr" presetSubtype="0" fill="hold" grpId="0" nodeType="clickEffect">
+                                  <p:stCondLst>
+                                    <p:cond delay="0"/>
+                                  </p:stCondLst>
+                                  <p:childTnLst>
+                                    <p:set>
+                                      <p:cBhvr>
+                                        <p:cTn id="21" dur="1" fill="hold">
+                                          <p:stCondLst>
+                                            <p:cond delay="0"/>
+                                          </p:stCondLst>
+                                        </p:cTn>
+                                        <p:tgtEl>
+                                          <p:spTgt spid="4">
+                                            <p:txEl>
+                                              <p:pRg st="3" end="3"/>
+                                            </p:txEl>
+                                          </p:spTgt>
+                                        </p:tgtEl>
+                                        <p:attrNameLst>
+                                          <p:attrName>style.visibility</p:attrName>
+                                        </p:attrNameLst>
+                                      </p:cBhvr>
+                                      <p:to>
+                                        <p:strVal val="visible"/>
+                                      </p:to>
+                                    </p:set>
+                                    <p:animEffect transition="in" filter="fade">
+                                      <p:cBhvr>
+                                        <p:cTn id="22" dur="500"/>
+                                        <p:tgtEl>
+                                          <p:spTgt spid="4">
+                                            <p:txEl>
+                                              <p:pRg st="3" end="3"/>
+                                            </p:txEl>
+                                          </p:spTgt>
+                                        </p:tgtEl>
+                                      </p:cBhvr>
+                                    </p:animEffect>
+                                  </p:childTnLst>
+                                </p:cTn>
+                              </p:par>
+                            </p:childTnLst>
+                          </p:cTn>
+                        </p:par>
+                      </p:childTnLst>
+                    </p:cTn>
+                  </p:par>
+                  <p:par>
+                    <p:cTn id="23" fill="hold">
+                      <p:stCondLst>
+                        <p:cond delay="indefinite"/>
+                      </p:stCondLst>
+                      <p:childTnLst>
+                        <p:par>
+                          <p:cTn id="24" fill="hold">
+                            <p:stCondLst>
+                              <p:cond delay="0"/>
+                            </p:stCondLst>
+                            <p:childTnLst>
+                              <p:par>
+                                <p:cTn id="25" presetID="10" presetClass="entr" presetSubtype="0" fill="hold" grpId="0" nodeType="clickEffect">
+                                  <p:stCondLst>
+                                    <p:cond delay="0"/>
+                                  </p:stCondLst>
+                                  <p:childTnLst>
+                                    <p:set>
+                                      <p:cBhvr>
+                                        <p:cTn id="26" dur="1" fill="hold">
+                                          <p:stCondLst>
+                                            <p:cond delay="0"/>
+                                          </p:stCondLst>
+                                        </p:cTn>
+                                        <p:tgtEl>
+                                          <p:spTgt spid="4">
+                                            <p:txEl>
+                                              <p:pRg st="4" end="4"/>
+                                            </p:txEl>
+                                          </p:spTgt>
+                                        </p:tgtEl>
+                                        <p:attrNameLst>
+                                          <p:attrName>style.visibility</p:attrName>
+                                        </p:attrNameLst>
+                                      </p:cBhvr>
+                                      <p:to>
+                                        <p:strVal val="visible"/>
+                                      </p:to>
+                                    </p:set>
+                                    <p:animEffect transition="in" filter="fade">
+                                      <p:cBhvr>
+                                        <p:cTn id="27" dur="500"/>
+                                        <p:tgtEl>
+                                          <p:spTgt spid="4">
+                                            <p:txEl>
+                                              <p:pRg st="4" end="4"/>
+                                            </p:txEl>
+                                          </p:spTgt>
+                                        </p:tgtEl>
+                                      </p:cBhvr>
+                                    </p:animEffect>
+                                  </p:childTnLst>
+                                </p:cTn>
+                              </p:par>
+                            </p:childTnLst>
+                          </p:cTn>
+                        </p:par>
+                      </p:childTnLst>
+                    </p:cTn>
+                  </p:par>
+                </p:childTnLst>
+              </p:cTn>
+              <p:prevCondLst>
+                <p:cond evt="onPrev" delay="0">
+                  <p:tgtEl>
+                    <p:sldTgt/>
+                  </p:tgtEl>
+                </p:cond>
+              </p:prevCondLst>
+              <p:nextCondLst>
+                <p:cond evt="onNext" delay="0">
+                  <p:tgtEl>
+                    <p:sldTgt/>
+                  </p:tgtEl>
+                </p:cond>
+              </p:nextCondLst>
+            </p:seq>
+          </p:childTnLst>
+        </p:cTn>
+      </p:par>
+    </p:tnLst>
+    <p:bldLst>
+      <p:bldP spid="4" grpId="0" build="p"/>
+    </p:bldLst>
+  </p:timing>
+</p:sld>
+</file>
+
+<file path=ppt/slides/slide7.xml><?xml version="1.0" encoding="utf-8"?>
+<p:sld xmlns:a="http://schemas.openxmlformats.org/drawingml/2006/main" xmlns:r="http://schemas.openxmlformats.org/officeDocument/2006/relationships" xmlns:p="http://schemas.openxmlformats.org/presentationml/2006/main">
+  <p:cSld>
+    <p:spTree>
+      <p:nvGrpSpPr>
+        <p:cNvPr id="1" name=""/>
+        <p:cNvGrpSpPr/>
+        <p:nvPr/>
+      </p:nvGrpSpPr>
+      <p:grpSpPr>
+        <a:xfrm>
+          <a:off x="0" y="0"/>
+          <a:ext cx="0" cy="0"/>
+          <a:chOff x="0" y="0"/>
+          <a:chExt cx="0" cy="0"/>
+        </a:xfrm>
+      </p:grpSpPr>
+      <p:sp>
+        <p:nvSpPr>
+          <p:cNvPr id="2" name="Заголовок 1">
+            <a:extLst>
+              <a:ext uri="{FF2B5EF4-FFF2-40B4-BE49-F238E27FC236}">
+                <a16:creationId xmlns:a16="http://schemas.microsoft.com/office/drawing/2014/main" id="{0FED51FE-D4D7-4E6E-B2CB-78978E4DA266}"/>
+              </a:ext>
+            </a:extLst>
+          </p:cNvPr>
+          <p:cNvSpPr>
+            <a:spLocks noGrp="1"/>
+          </p:cNvSpPr>
+          <p:nvPr>
+            <p:ph type="title"/>
+          </p:nvPr>
+        </p:nvSpPr>
+        <p:spPr>
+          <a:xfrm>
+            <a:off x="646111" y="452718"/>
+            <a:ext cx="8867005" cy="1400530"/>
+          </a:xfrm>
+        </p:spPr>
+        <p:txBody>
+          <a:bodyPr/>
+          <a:lstStyle/>
+          <a:p>
+            <a:r>
+              <a:rPr lang="ru-RU" dirty="0"/>
+              <a:t>«Рассмотрим влияние ИИ в компании </a:t>
+            </a:r>
+            <a:r>
+              <a:rPr lang="en-US" dirty="0"/>
+              <a:t>Siemens AG</a:t>
+            </a:r>
+            <a:endParaRPr lang="ru-RU" dirty="0"/>
+          </a:p>
+        </p:txBody>
+      </p:sp>
+      <p:sp>
+        <p:nvSpPr>
+          <p:cNvPr id="3" name="Объект 2">
+            <a:extLst>
+              <a:ext uri="{FF2B5EF4-FFF2-40B4-BE49-F238E27FC236}">
+                <a16:creationId xmlns:a16="http://schemas.microsoft.com/office/drawing/2014/main" id="{3DFB9B7A-988E-4A4F-88DF-6ECA437553CB}"/>
+              </a:ext>
+            </a:extLst>
+          </p:cNvPr>
+          <p:cNvSpPr>
+            <a:spLocks noGrp="1"/>
+          </p:cNvSpPr>
+          <p:nvPr>
+            <p:ph sz="half" idx="1"/>
+          </p:nvPr>
+        </p:nvSpPr>
+        <p:spPr/>
+        <p:txBody>
+          <a:bodyPr>
+            <a:normAutofit fontScale="77500" lnSpcReduction="20000"/>
+          </a:bodyPr>
+          <a:lstStyle/>
+          <a:p>
+            <a:r>
+              <a:rPr lang="ru-RU" dirty="0"/>
+              <a:t>Искусственный интеллект является ядром проекта «</a:t>
+            </a:r>
+            <a:r>
+              <a:rPr lang="en-US" dirty="0"/>
+              <a:t>Smart Factory</a:t>
+            </a:r>
+            <a:r>
+              <a:rPr lang="ru-RU" dirty="0"/>
+              <a:t>»</a:t>
+            </a:r>
+            <a:r>
+              <a:rPr lang="en-US" dirty="0"/>
+              <a:t>.</a:t>
+            </a:r>
+            <a:r>
+              <a:rPr lang="ru-RU" dirty="0"/>
+              <a:t> Во-первых, ИИ автоматизирует производственные процессы, делая их более эффективными и гибкими. Он анализирует данные в реальном времени, выявляет и устраняет проблемы, улучшает качество продукции и снижает затраты. Во-вторых, ИИ используется для предсказательного технического обслуживания, планирования запасов и оптимизации логистики, что помогает снизить затраты на хранение и транспортировку, а также улучшить своевременность поставок. Кроме того, ИИ играет важную роль в обеспечении кибербезопасности и экологической устойчивости предприятия, анализируя данные о потреблении ресурсов и давая рекомендации по оптимизации производственных процессов.</a:t>
+            </a:r>
+          </a:p>
+        </p:txBody>
+      </p:sp>
+      <p:pic>
+        <p:nvPicPr>
+          <p:cNvPr id="2054" name="Picture 6" descr="Страница 2 | Умные Фабрики: векторные изображения и иллюстрации, которые  можно скачать бесплатно">
+            <a:extLst>
+              <a:ext uri="{FF2B5EF4-FFF2-40B4-BE49-F238E27FC236}">
+                <a16:creationId xmlns:a16="http://schemas.microsoft.com/office/drawing/2014/main" id="{61F60682-2B4B-404A-8A14-BDB50488D9CF}"/>
+              </a:ext>
+            </a:extLst>
+          </p:cNvPr>
+          <p:cNvPicPr>
+            <a:picLocks noGrp="1" noChangeAspect="1" noChangeArrowheads="1"/>
+          </p:cNvPicPr>
+          <p:nvPr>
+            <p:ph sz="half" idx="2"/>
+          </p:nvPr>
+        </p:nvPicPr>
+        <p:blipFill>
+          <a:blip r:embed="rId2">
+            <a:extLst>
+              <a:ext uri="{28A0092B-C50C-407E-A947-70E740481C1C}">
+                <a14:useLocalDpi xmlns:a14="http://schemas.microsoft.com/office/drawing/2010/main" val="0"/>
+              </a:ext>
+            </a:extLst>
+          </a:blip>
+          <a:srcRect/>
+          <a:stretch>
+            <a:fillRect/>
+          </a:stretch>
+        </p:blipFill>
+        <p:spPr bwMode="auto">
+          <a:xfrm>
+            <a:off x="6222090" y="1853248"/>
+            <a:ext cx="4200525" cy="4200525"/>
+          </a:xfrm>
+          <a:prstGeom prst="rect">
+            <a:avLst/>
+          </a:prstGeom>
+          <a:noFill/>
+          <a:extLst>
+            <a:ext uri="{909E8E84-426E-40DD-AFC4-6F175D3DCCD1}">
+              <a14:hiddenFill xmlns:a14="http://schemas.microsoft.com/office/drawing/2010/main">
+                <a:solidFill>
+                  <a:srgbClr val="FFFFFF"/>
+                </a:solidFill>
+              </a14:hiddenFill>
+            </a:ext>
+          </a:extLst>
+        </p:spPr>
+      </p:pic>
+    </p:spTree>
+    <p:extLst>
+      <p:ext uri="{BB962C8B-B14F-4D97-AF65-F5344CB8AC3E}">
+        <p14:creationId xmlns:p14="http://schemas.microsoft.com/office/powerpoint/2010/main" val="901951506"/>
+      </p:ext>
+    </p:extLst>
+  </p:cSld>
+  <p:clrMapOvr>
+    <a:masterClrMapping/>
+  </p:clrMapOvr>
+  <mc:AlternateContent xmlns:mc="http://schemas.openxmlformats.org/markup-compatibility/2006">
+    <mc:Choice xmlns:p14="http://schemas.microsoft.com/office/powerpoint/2010/main" Requires="p14">
+      <p:transition spd="slow" p14:dur="3400">
+        <p14:reveal/>
+      </p:transition>
+    </mc:Choice>
+    <mc:Fallback>
+      <p:transition spd="slow">
+        <p:fade/>
+      </p:transition>
+    </mc:Fallback>
+  </mc:AlternateContent>
+</p:sld>
+</file>
+
+<file path=ppt/slides/slide8.xml><?xml version="1.0" encoding="utf-8"?>
+<p:sld xmlns:a="http://schemas.openxmlformats.org/drawingml/2006/main" xmlns:r="http://schemas.openxmlformats.org/officeDocument/2006/relationships" xmlns:p="http://schemas.openxmlformats.org/presentationml/2006/main">
+  <p:cSld>
+    <p:spTree>
+      <p:nvGrpSpPr>
+        <p:cNvPr id="1" name=""/>
+        <p:cNvGrpSpPr/>
+        <p:nvPr/>
+      </p:nvGrpSpPr>
+      <p:grpSpPr>
+        <a:xfrm>
+          <a:off x="0" y="0"/>
+          <a:ext cx="0" cy="0"/>
+          <a:chOff x="0" y="0"/>
+          <a:chExt cx="0" cy="0"/>
+        </a:xfrm>
+      </p:grpSpPr>
+      <p:sp>
+        <p:nvSpPr>
+          <p:cNvPr id="7" name="Заголовок 6">
+            <a:extLst>
+              <a:ext uri="{FF2B5EF4-FFF2-40B4-BE49-F238E27FC236}">
+                <a16:creationId xmlns:a16="http://schemas.microsoft.com/office/drawing/2014/main" id="{AD2942A9-69B3-498F-BFFD-977E47FC932A}"/>
+              </a:ext>
+            </a:extLst>
+          </p:cNvPr>
+          <p:cNvSpPr>
+            <a:spLocks noGrp="1"/>
+          </p:cNvSpPr>
+          <p:nvPr>
+            <p:ph type="title"/>
+          </p:nvPr>
+        </p:nvSpPr>
+        <p:spPr/>
+        <p:txBody>
+          <a:bodyPr/>
+          <a:lstStyle/>
+          <a:p>
+            <a:r>
+              <a:rPr lang="ru-RU" dirty="0"/>
+              <a:t>«Вывод»</a:t>
+            </a:r>
+          </a:p>
+        </p:txBody>
+      </p:sp>
+      <p:sp>
+        <p:nvSpPr>
+          <p:cNvPr id="8" name="Объект 7">
+            <a:extLst>
+              <a:ext uri="{FF2B5EF4-FFF2-40B4-BE49-F238E27FC236}">
+                <a16:creationId xmlns:a16="http://schemas.microsoft.com/office/drawing/2014/main" id="{54343F3C-B7A3-4D62-AB66-97DC543EAE38}"/>
+              </a:ext>
+            </a:extLst>
+          </p:cNvPr>
+          <p:cNvSpPr>
+            <a:spLocks noGrp="1"/>
+          </p:cNvSpPr>
+          <p:nvPr>
+            <p:ph idx="1"/>
+          </p:nvPr>
+        </p:nvSpPr>
+        <p:spPr>
+          <a:xfrm>
+            <a:off x="646111" y="1994195"/>
+            <a:ext cx="8946541" cy="4195481"/>
+          </a:xfrm>
+        </p:spPr>
+        <p:txBody>
+          <a:bodyPr/>
+          <a:lstStyle/>
+          <a:p>
+            <a:r>
+              <a:rPr lang="ru-RU" dirty="0"/>
+              <a:t>Таким образом благодаря искусственному интеллекту можно облегчить и автоматизировать производственные процессы на предприятиях уменьшив влияние человека, тем самым сведя человеческий фактор к минимуму.</a:t>
+            </a:r>
+          </a:p>
+        </p:txBody>
+      </p:sp>
+    </p:spTree>
+    <p:extLst>
+      <p:ext uri="{BB962C8B-B14F-4D97-AF65-F5344CB8AC3E}">
+        <p14:creationId xmlns:p14="http://schemas.microsoft.com/office/powerpoint/2010/main" val="3778714674"/>
+      </p:ext>
+    </p:extLst>
+  </p:cSld>
+  <p:clrMapOvr>
+    <a:masterClrMapping/>
+  </p:clrMapOvr>
+  <mc:AlternateContent xmlns:mc="http://schemas.openxmlformats.org/markup-compatibility/2006">
+    <mc:Choice xmlns:p14="http://schemas.microsoft.com/office/powerpoint/2010/main" Requires="p14">
+      <p:transition spd="slow" p14:dur="3400">
+        <p14:reveal/>
+      </p:transition>
+    </mc:Choice>
+    <mc:Fallback>
+      <p:transition spd="slow">
+        <p:fade/>
+      </p:transition>
+    </mc:Fallback>
+  </mc:AlternateContent>
+</p:sld>
+</file>
+
+<file path=ppt/slides/slide9.xml><?xml version="1.0" encoding="utf-8"?>
+<p:sld xmlns:a="http://schemas.openxmlformats.org/drawingml/2006/main" xmlns:r="http://schemas.openxmlformats.org/officeDocument/2006/relationships" xmlns:p="http://schemas.openxmlformats.org/presentationml/2006/main">
+  <p:cSld>
+    <p:spTree>
+      <p:nvGrpSpPr>
+        <p:cNvPr id="1" name=""/>
+        <p:cNvGrpSpPr/>
+        <p:nvPr/>
+      </p:nvGrpSpPr>
+      <p:grpSpPr>
+        <a:xfrm>
+          <a:off x="0" y="0"/>
+          <a:ext cx="0" cy="0"/>
+          <a:chOff x="0" y="0"/>
+          <a:chExt cx="0" cy="0"/>
+        </a:xfrm>
+      </p:grpSpPr>
+      <p:sp>
+        <p:nvSpPr>
+          <p:cNvPr id="2" name="Заголовок 1">
+            <a:extLst>
+              <a:ext uri="{FF2B5EF4-FFF2-40B4-BE49-F238E27FC236}">
+                <a16:creationId xmlns:a16="http://schemas.microsoft.com/office/drawing/2014/main" id="{1429BBB3-B2F3-42DC-8733-BA6F263A18A1}"/>
+              </a:ext>
+            </a:extLst>
+          </p:cNvPr>
+          <p:cNvSpPr>
+            <a:spLocks noGrp="1"/>
+          </p:cNvSpPr>
+          <p:nvPr>
+            <p:ph type="title"/>
+          </p:nvPr>
+        </p:nvSpPr>
+        <p:spPr>
+          <a:xfrm>
+            <a:off x="2648697" y="383167"/>
+            <a:ext cx="9404723" cy="1400530"/>
+          </a:xfrm>
+        </p:spPr>
+        <p:txBody>
+          <a:bodyPr/>
+          <a:lstStyle/>
+          <a:p>
+            <a:r>
+              <a:rPr lang="ru-RU" dirty="0"/>
+              <a:t>Спасибо за просмотр!</a:t>
+            </a:r>
+          </a:p>
+        </p:txBody>
+      </p:sp>
+      <p:pic>
+        <p:nvPicPr>
+          <p:cNvPr id="3078" name="Picture 6" descr="https://i.pinimg.com/control/564x/6a/18/d4/6a18d41360821eb377229e1f9fb26f78.jpg">
+            <a:extLst>
+              <a:ext uri="{FF2B5EF4-FFF2-40B4-BE49-F238E27FC236}">
+                <a16:creationId xmlns:a16="http://schemas.microsoft.com/office/drawing/2014/main" id="{BECF766E-E6AE-4FA8-A44E-6B2277A62C2A}"/>
+              </a:ext>
+            </a:extLst>
+          </p:cNvPr>
+          <p:cNvPicPr>
+            <a:picLocks noGrp="1" noChangeAspect="1" noChangeArrowheads="1"/>
+          </p:cNvPicPr>
+          <p:nvPr>
+            <p:ph idx="1"/>
+          </p:nvPr>
+        </p:nvPicPr>
+        <p:blipFill>
+          <a:blip r:embed="rId2">
+            <a:extLst>
+              <a:ext uri="{28A0092B-C50C-407E-A947-70E740481C1C}">
+                <a14:useLocalDpi xmlns:a14="http://schemas.microsoft.com/office/drawing/2010/main" val="0"/>
+              </a:ext>
+            </a:extLst>
+          </a:blip>
+          <a:srcRect/>
+          <a:stretch>
+            <a:fillRect/>
+          </a:stretch>
+        </p:blipFill>
+        <p:spPr bwMode="auto">
+          <a:xfrm>
+            <a:off x="4356847" y="1783696"/>
+            <a:ext cx="3101788" cy="4464703"/>
+          </a:xfrm>
+          <a:prstGeom prst="rect">
+            <a:avLst/>
+          </a:prstGeom>
+          <a:noFill/>
+          <a:extLst>
+            <a:ext uri="{909E8E84-426E-40DD-AFC4-6F175D3DCCD1}">
+              <a14:hiddenFill xmlns:a14="http://schemas.microsoft.com/office/drawing/2010/main">
+                <a:solidFill>
+                  <a:srgbClr val="FFFFFF"/>
+                </a:solidFill>
+              </a14:hiddenFill>
+            </a:ext>
+          </a:extLst>
+        </p:spPr>
+      </p:pic>
+    </p:spTree>
+    <p:extLst>
+      <p:ext uri="{BB962C8B-B14F-4D97-AF65-F5344CB8AC3E}">
+        <p14:creationId xmlns:p14="http://schemas.microsoft.com/office/powerpoint/2010/main" val="2756846285"/>
       </p:ext>
     </p:extLst>
   </p:cSld>
